--- a/Защита.pptx
+++ b/Защита.pptx
@@ -113,6 +113,11 @@
       </a:defRPr>
     </a:lvl9pPr>
   </p:defaultTextStyle>
+  <p:extLst>
+    <p:ext uri="{EFAFB233-063F-42B5-8137-9DF3F51BA10A}">
+      <p15:sldGuideLst xmlns:p15="http://schemas.microsoft.com/office/powerpoint/2012/main"/>
+    </p:ext>
+  </p:extLst>
 </p:presentation>
 </file>
 
@@ -263,7 +268,7 @@
           <a:p>
             <a:fld id="{F1FEDB35-7C0A-4743-A614-DD92B25F1A12}" type="datetimeFigureOut">
               <a:rPr lang="ru-RU" smtClean="0"/>
-              <a:t>09.05.2023</a:t>
+              <a:t>13.05.2023</a:t>
             </a:fld>
             <a:endParaRPr lang="ru-RU"/>
           </a:p>
@@ -461,7 +466,7 @@
           <a:p>
             <a:fld id="{F1FEDB35-7C0A-4743-A614-DD92B25F1A12}" type="datetimeFigureOut">
               <a:rPr lang="ru-RU" smtClean="0"/>
-              <a:t>09.05.2023</a:t>
+              <a:t>13.05.2023</a:t>
             </a:fld>
             <a:endParaRPr lang="ru-RU"/>
           </a:p>
@@ -669,7 +674,7 @@
           <a:p>
             <a:fld id="{F1FEDB35-7C0A-4743-A614-DD92B25F1A12}" type="datetimeFigureOut">
               <a:rPr lang="ru-RU" smtClean="0"/>
-              <a:t>09.05.2023</a:t>
+              <a:t>13.05.2023</a:t>
             </a:fld>
             <a:endParaRPr lang="ru-RU"/>
           </a:p>
@@ -867,7 +872,7 @@
           <a:p>
             <a:fld id="{F1FEDB35-7C0A-4743-A614-DD92B25F1A12}" type="datetimeFigureOut">
               <a:rPr lang="ru-RU" smtClean="0"/>
-              <a:t>09.05.2023</a:t>
+              <a:t>13.05.2023</a:t>
             </a:fld>
             <a:endParaRPr lang="ru-RU"/>
           </a:p>
@@ -1142,7 +1147,7 @@
           <a:p>
             <a:fld id="{F1FEDB35-7C0A-4743-A614-DD92B25F1A12}" type="datetimeFigureOut">
               <a:rPr lang="ru-RU" smtClean="0"/>
-              <a:t>09.05.2023</a:t>
+              <a:t>13.05.2023</a:t>
             </a:fld>
             <a:endParaRPr lang="ru-RU"/>
           </a:p>
@@ -1407,7 +1412,7 @@
           <a:p>
             <a:fld id="{F1FEDB35-7C0A-4743-A614-DD92B25F1A12}" type="datetimeFigureOut">
               <a:rPr lang="ru-RU" smtClean="0"/>
-              <a:t>09.05.2023</a:t>
+              <a:t>13.05.2023</a:t>
             </a:fld>
             <a:endParaRPr lang="ru-RU"/>
           </a:p>
@@ -1819,7 +1824,7 @@
           <a:p>
             <a:fld id="{F1FEDB35-7C0A-4743-A614-DD92B25F1A12}" type="datetimeFigureOut">
               <a:rPr lang="ru-RU" smtClean="0"/>
-              <a:t>09.05.2023</a:t>
+              <a:t>13.05.2023</a:t>
             </a:fld>
             <a:endParaRPr lang="ru-RU"/>
           </a:p>
@@ -1960,7 +1965,7 @@
           <a:p>
             <a:fld id="{F1FEDB35-7C0A-4743-A614-DD92B25F1A12}" type="datetimeFigureOut">
               <a:rPr lang="ru-RU" smtClean="0"/>
-              <a:t>09.05.2023</a:t>
+              <a:t>13.05.2023</a:t>
             </a:fld>
             <a:endParaRPr lang="ru-RU"/>
           </a:p>
@@ -2073,7 +2078,7 @@
           <a:p>
             <a:fld id="{F1FEDB35-7C0A-4743-A614-DD92B25F1A12}" type="datetimeFigureOut">
               <a:rPr lang="ru-RU" smtClean="0"/>
-              <a:t>09.05.2023</a:t>
+              <a:t>13.05.2023</a:t>
             </a:fld>
             <a:endParaRPr lang="ru-RU"/>
           </a:p>
@@ -2384,7 +2389,7 @@
           <a:p>
             <a:fld id="{F1FEDB35-7C0A-4743-A614-DD92B25F1A12}" type="datetimeFigureOut">
               <a:rPr lang="ru-RU" smtClean="0"/>
-              <a:t>09.05.2023</a:t>
+              <a:t>13.05.2023</a:t>
             </a:fld>
             <a:endParaRPr lang="ru-RU"/>
           </a:p>
@@ -2672,7 +2677,7 @@
           <a:p>
             <a:fld id="{F1FEDB35-7C0A-4743-A614-DD92B25F1A12}" type="datetimeFigureOut">
               <a:rPr lang="ru-RU" smtClean="0"/>
-              <a:t>09.05.2023</a:t>
+              <a:t>13.05.2023</a:t>
             </a:fld>
             <a:endParaRPr lang="ru-RU"/>
           </a:p>
@@ -2913,7 +2918,7 @@
           <a:p>
             <a:fld id="{F1FEDB35-7C0A-4743-A614-DD92B25F1A12}" type="datetimeFigureOut">
               <a:rPr lang="ru-RU" smtClean="0"/>
-              <a:t>09.05.2023</a:t>
+              <a:t>13.05.2023</a:t>
             </a:fld>
             <a:endParaRPr lang="ru-RU"/>
           </a:p>
@@ -3671,212 +3676,147 @@
           </a:bodyPr>
           <a:lstStyle/>
           <a:p>
-            <a:pPr algn="just"/>
-            <a:r>
-              <a:rPr lang="ru-RU" dirty="0"/>
+            <a:pPr algn="just">
+              <a:lnSpc>
+                <a:spcPct val="95000"/>
+              </a:lnSpc>
+            </a:pPr>
+            <a:r>
+              <a:rPr lang="ru-RU" sz="2600" dirty="0"/>
               <a:t>Создать стартовую активность содержащую название приложения и кнопку переключения на вторую активность.</a:t>
             </a:r>
           </a:p>
           <a:p>
-            <a:pPr algn="just"/>
-            <a:r>
-              <a:rPr lang="ru-RU" dirty="0"/>
-              <a:t>Создать вторую активность, где будет размещаться список с описанием домашних питомцев. Для вывода списка использовать </a:t>
-            </a:r>
-            <a:r>
-              <a:rPr lang="ru-RU" b="0" i="0" dirty="0">
-                <a:solidFill>
-                  <a:srgbClr val="333333"/>
-                </a:solidFill>
-                <a:effectLst/>
-                <a:latin typeface="YS Text"/>
-              </a:rPr>
-              <a:t>компонент пользовательского интерфейса, позволяющий создавать прокручиваемый список, </a:t>
-            </a:r>
-            <a:r>
-              <a:rPr lang="en-US" b="0" i="0" dirty="0" err="1">
-                <a:solidFill>
-                  <a:srgbClr val="333333"/>
-                </a:solidFill>
-                <a:effectLst/>
-                <a:latin typeface="YS Text"/>
-              </a:rPr>
+            <a:pPr algn="just">
+              <a:lnSpc>
+                <a:spcPct val="95000"/>
+              </a:lnSpc>
+            </a:pPr>
+            <a:r>
+              <a:rPr lang="ru-RU" sz="2600" dirty="0"/>
+              <a:t>Создать вторую активность, где будет размещаться список с описанием домашних питомцев. Для вывода списка использовать компонент пользовательского интерфейса, позволяющий создавать прокручиваемый список, </a:t>
+            </a:r>
+            <a:r>
+              <a:rPr lang="en-US" sz="2600" dirty="0" err="1"/>
               <a:t>RecyclerView</a:t>
             </a:r>
             <a:r>
-              <a:rPr lang="ru-RU" b="0" i="0" dirty="0">
-                <a:solidFill>
-                  <a:srgbClr val="333333"/>
-                </a:solidFill>
-                <a:effectLst/>
-                <a:latin typeface="YS Text"/>
-              </a:rPr>
+              <a:rPr lang="ru-RU" sz="2600" dirty="0"/>
               <a:t>.</a:t>
             </a:r>
-            <a:endParaRPr lang="ru-RU" dirty="0"/>
-          </a:p>
-          <a:p>
-            <a:pPr algn="just"/>
-            <a:r>
-              <a:rPr lang="ru-RU" dirty="0"/>
+          </a:p>
+          <a:p>
+            <a:pPr algn="just">
+              <a:lnSpc>
+                <a:spcPct val="95000"/>
+              </a:lnSpc>
+            </a:pPr>
+            <a:r>
+              <a:rPr lang="ru-RU" sz="2600" dirty="0"/>
               <a:t>Создать класс описывающий домашнее животное - «</a:t>
             </a:r>
             <a:r>
-              <a:rPr lang="en-US" dirty="0"/>
+              <a:rPr lang="en-US" sz="2600" dirty="0"/>
               <a:t>Pet</a:t>
             </a:r>
             <a:r>
-              <a:rPr lang="ru-RU" dirty="0"/>
+              <a:rPr lang="ru-RU" sz="2600" dirty="0"/>
               <a:t>». Класс должен содержать поля: название, изображение, описание и страну обитания животного.</a:t>
             </a:r>
           </a:p>
           <a:p>
-            <a:pPr algn="just"/>
-            <a:r>
-              <a:rPr lang="ru-RU" b="0" i="0" dirty="0">
-                <a:solidFill>
-                  <a:srgbClr val="333333"/>
-                </a:solidFill>
-                <a:effectLst/>
-                <a:latin typeface="YS Text"/>
-              </a:rPr>
+            <a:pPr algn="just">
+              <a:lnSpc>
+                <a:spcPct val="95000"/>
+              </a:lnSpc>
+            </a:pPr>
+            <a:r>
+              <a:rPr lang="ru-RU" sz="2600" dirty="0"/>
               <a:t>Для вывода сложных объектов в </a:t>
             </a:r>
             <a:r>
-              <a:rPr lang="ru-RU" b="0" i="0" dirty="0" err="1">
-                <a:solidFill>
-                  <a:srgbClr val="333333"/>
-                </a:solidFill>
-                <a:effectLst/>
-                <a:latin typeface="YS Text"/>
-              </a:rPr>
+              <a:rPr lang="ru-RU" sz="2600" dirty="0" err="1"/>
               <a:t>RecyclerView</a:t>
             </a:r>
             <a:r>
-              <a:rPr lang="ru-RU" b="0" i="0" dirty="0">
-                <a:solidFill>
-                  <a:srgbClr val="333333"/>
-                </a:solidFill>
-                <a:effectLst/>
-                <a:latin typeface="YS Text"/>
-              </a:rPr>
+              <a:rPr lang="ru-RU" sz="2600" dirty="0"/>
               <a:t> определить  адаптер </a:t>
             </a:r>
             <a:r>
-              <a:rPr lang="en-US" b="0" i="0" dirty="0">
-                <a:solidFill>
-                  <a:srgbClr val="333333"/>
-                </a:solidFill>
-                <a:effectLst/>
-                <a:latin typeface="YS Text"/>
-              </a:rPr>
+              <a:rPr lang="en-US" sz="2600" dirty="0"/>
               <a:t>list_item.xml</a:t>
             </a:r>
-            <a:endParaRPr lang="ru-RU" b="0" i="0" dirty="0">
-              <a:solidFill>
-                <a:srgbClr val="333333"/>
-              </a:solidFill>
-              <a:effectLst/>
-              <a:latin typeface="YS Text"/>
-            </a:endParaRPr>
-          </a:p>
-          <a:p>
-            <a:pPr algn="just"/>
-            <a:r>
-              <a:rPr lang="ru-RU" dirty="0"/>
+            <a:endParaRPr lang="ru-RU" sz="2600" dirty="0"/>
+          </a:p>
+          <a:p>
+            <a:pPr algn="just">
+              <a:lnSpc>
+                <a:spcPct val="95000"/>
+              </a:lnSpc>
+            </a:pPr>
+            <a:r>
+              <a:rPr lang="ru-RU" sz="2600" dirty="0"/>
               <a:t>Создать коллекцию контейнер</a:t>
             </a:r>
             <a:r>
-              <a:rPr lang="en-US" dirty="0"/>
+              <a:rPr lang="en-US" sz="2600" dirty="0"/>
               <a:t> </a:t>
             </a:r>
             <a:r>
-              <a:rPr lang="ru-RU" dirty="0"/>
+              <a:rPr lang="ru-RU" sz="2600" dirty="0"/>
               <a:t>«</a:t>
             </a:r>
             <a:r>
-              <a:rPr lang="en-US" dirty="0"/>
+              <a:rPr lang="en-US" sz="2600" dirty="0"/>
               <a:t>pets</a:t>
             </a:r>
             <a:r>
-              <a:rPr lang="ru-RU" dirty="0"/>
+              <a:rPr lang="ru-RU" sz="2600" dirty="0"/>
               <a:t>» для данных класса «</a:t>
             </a:r>
             <a:r>
-              <a:rPr lang="en-US" dirty="0"/>
+              <a:rPr lang="en-US" sz="2600" dirty="0"/>
               <a:t>Pet</a:t>
             </a:r>
             <a:r>
-              <a:rPr lang="ru-RU" dirty="0"/>
+              <a:rPr lang="ru-RU" sz="2600" dirty="0"/>
               <a:t>».</a:t>
             </a:r>
           </a:p>
           <a:p>
-            <a:pPr algn="just"/>
-            <a:r>
-              <a:rPr lang="ru-RU" dirty="0">
-                <a:solidFill>
-                  <a:srgbClr val="333333"/>
-                </a:solidFill>
-                <a:latin typeface="YS Text"/>
-              </a:rPr>
+            <a:pPr algn="just">
+              <a:lnSpc>
+                <a:spcPct val="95000"/>
+              </a:lnSpc>
+            </a:pPr>
+            <a:r>
+              <a:rPr lang="ru-RU" sz="2600" dirty="0"/>
               <a:t>Создать класс адаптера «</a:t>
             </a:r>
             <a:r>
-              <a:rPr lang="en-US" dirty="0">
-                <a:solidFill>
-                  <a:srgbClr val="333333"/>
-                </a:solidFill>
-                <a:latin typeface="YS Text"/>
-              </a:rPr>
+              <a:rPr lang="en-US" sz="2600" dirty="0"/>
               <a:t>PetAdapter.java</a:t>
             </a:r>
             <a:r>
-              <a:rPr lang="ru-RU" dirty="0">
-                <a:solidFill>
-                  <a:srgbClr val="333333"/>
-                </a:solidFill>
-                <a:latin typeface="YS Text"/>
-              </a:rPr>
+              <a:rPr lang="ru-RU" sz="2600" dirty="0"/>
               <a:t>» для связи списка данных «</a:t>
             </a:r>
             <a:r>
-              <a:rPr lang="en-US" dirty="0">
-                <a:solidFill>
-                  <a:srgbClr val="333333"/>
-                </a:solidFill>
-                <a:latin typeface="YS Text"/>
-              </a:rPr>
+              <a:rPr lang="en-US" sz="2600" dirty="0"/>
               <a:t>pets</a:t>
             </a:r>
             <a:r>
-              <a:rPr lang="ru-RU" dirty="0">
-                <a:solidFill>
-                  <a:srgbClr val="333333"/>
-                </a:solidFill>
-                <a:latin typeface="YS Text"/>
-              </a:rPr>
+              <a:rPr lang="ru-RU" sz="2600" dirty="0"/>
               <a:t>» и их отображения на экране«</a:t>
             </a:r>
             <a:r>
-              <a:rPr lang="en-US" dirty="0">
-                <a:solidFill>
-                  <a:srgbClr val="333333"/>
-                </a:solidFill>
-                <a:latin typeface="YS Text"/>
-              </a:rPr>
+              <a:rPr lang="en-US" sz="2600" dirty="0"/>
               <a:t>list_item.xml</a:t>
             </a:r>
             <a:r>
-              <a:rPr lang="ru-RU" dirty="0">
-                <a:solidFill>
-                  <a:srgbClr val="333333"/>
-                </a:solidFill>
-                <a:latin typeface="YS Text"/>
-              </a:rPr>
+              <a:rPr lang="ru-RU" sz="2600" dirty="0"/>
               <a:t>»</a:t>
             </a:r>
-            <a:endParaRPr lang="ru-RU" dirty="0"/>
           </a:p>
           <a:p>
             <a:pPr algn="just"/>
